--- a/lhs/2.BUS/버스·지하철·택시 수요 변화와 자동차 대수 변화율.pptx
+++ b/lhs/2.BUS/버스·지하철·택시 수요 변화와 자동차 대수 변화율.pptx
@@ -6,7 +6,7 @@
     <p:sldMasterId id="2147483684" r:id="rId5"/>
   </p:sldMasterIdLst>
   <p:notesMasterIdLst>
-    <p:notesMasterId r:id="rId18"/>
+    <p:notesMasterId r:id="rId17"/>
   </p:notesMasterIdLst>
   <p:sldIdLst>
     <p:sldId id="256" r:id="rId6"/>
@@ -20,7 +20,6 @@
     <p:sldId id="319" r:id="rId14"/>
     <p:sldId id="320" r:id="rId15"/>
     <p:sldId id="321" r:id="rId16"/>
-    <p:sldId id="315" r:id="rId17"/>
   </p:sldIdLst>
   <p:sldSz cx="12192000" cy="6858000"/>
   <p:notesSz cx="6858000" cy="9144000"/>
@@ -12721,7 +12720,7 @@
           <a:p>
             <a:fld id="{19415C65-FC5A-45A0-87C0-2CBB08A7F857}" type="datetimeFigureOut">
               <a:rPr lang="ko-KR" altLang="en-US" smtClean="0"/>
-              <a:t>2026-01-08</a:t>
+              <a:t>2026-01-09</a:t>
             </a:fld>
             <a:endParaRPr lang="ko-KR" altLang="en-US"/>
           </a:p>
@@ -14056,7 +14055,7 @@
           <a:p>
             <a:fld id="{170E36D7-A6DB-416B-A246-35B787381E5F}" type="datetimeFigureOut">
               <a:rPr lang="ko-KR" altLang="en-US" smtClean="0"/>
-              <a:t>2026-01-08</a:t>
+              <a:t>2026-01-09</a:t>
             </a:fld>
             <a:endParaRPr lang="ko-KR" altLang="en-US"/>
           </a:p>
@@ -14266,7 +14265,7 @@
           <a:p>
             <a:fld id="{170E36D7-A6DB-416B-A246-35B787381E5F}" type="datetimeFigureOut">
               <a:rPr lang="ko-KR" altLang="en-US" smtClean="0"/>
-              <a:t>2026-01-08</a:t>
+              <a:t>2026-01-09</a:t>
             </a:fld>
             <a:endParaRPr lang="ko-KR" altLang="en-US"/>
           </a:p>
@@ -14476,7 +14475,7 @@
           <a:p>
             <a:fld id="{170E36D7-A6DB-416B-A246-35B787381E5F}" type="datetimeFigureOut">
               <a:rPr lang="ko-KR" altLang="en-US" smtClean="0"/>
-              <a:t>2026-01-08</a:t>
+              <a:t>2026-01-09</a:t>
             </a:fld>
             <a:endParaRPr lang="ko-KR" altLang="en-US"/>
           </a:p>
@@ -14700,7 +14699,7 @@
           <a:p>
             <a:fld id="{51E15227-B50A-4246-97B2-347A01CD05B7}" type="datetimeFigureOut">
               <a:rPr lang="ko-KR" altLang="en-US" smtClean="0"/>
-              <a:t>2026-01-08</a:t>
+              <a:t>2026-01-09</a:t>
             </a:fld>
             <a:endParaRPr lang="ko-KR" altLang="en-US"/>
           </a:p>
@@ -14898,7 +14897,7 @@
           <a:p>
             <a:fld id="{51E15227-B50A-4246-97B2-347A01CD05B7}" type="datetimeFigureOut">
               <a:rPr lang="ko-KR" altLang="en-US" smtClean="0"/>
-              <a:t>2026-01-08</a:t>
+              <a:t>2026-01-09</a:t>
             </a:fld>
             <a:endParaRPr lang="ko-KR" altLang="en-US"/>
           </a:p>
@@ -15173,7 +15172,7 @@
           <a:p>
             <a:fld id="{51E15227-B50A-4246-97B2-347A01CD05B7}" type="datetimeFigureOut">
               <a:rPr lang="ko-KR" altLang="en-US" smtClean="0"/>
-              <a:t>2026-01-08</a:t>
+              <a:t>2026-01-09</a:t>
             </a:fld>
             <a:endParaRPr lang="ko-KR" altLang="en-US"/>
           </a:p>
@@ -15438,7 +15437,7 @@
           <a:p>
             <a:fld id="{51E15227-B50A-4246-97B2-347A01CD05B7}" type="datetimeFigureOut">
               <a:rPr lang="ko-KR" altLang="en-US" smtClean="0"/>
-              <a:t>2026-01-08</a:t>
+              <a:t>2026-01-09</a:t>
             </a:fld>
             <a:endParaRPr lang="ko-KR" altLang="en-US"/>
           </a:p>
@@ -15850,7 +15849,7 @@
           <a:p>
             <a:fld id="{51E15227-B50A-4246-97B2-347A01CD05B7}" type="datetimeFigureOut">
               <a:rPr lang="ko-KR" altLang="en-US" smtClean="0"/>
-              <a:t>2026-01-08</a:t>
+              <a:t>2026-01-09</a:t>
             </a:fld>
             <a:endParaRPr lang="ko-KR" altLang="en-US"/>
           </a:p>
@@ -15991,7 +15990,7 @@
           <a:p>
             <a:fld id="{51E15227-B50A-4246-97B2-347A01CD05B7}" type="datetimeFigureOut">
               <a:rPr lang="ko-KR" altLang="en-US" smtClean="0"/>
-              <a:t>2026-01-08</a:t>
+              <a:t>2026-01-09</a:t>
             </a:fld>
             <a:endParaRPr lang="ko-KR" altLang="en-US"/>
           </a:p>
@@ -16104,7 +16103,7 @@
           <a:p>
             <a:fld id="{51E15227-B50A-4246-97B2-347A01CD05B7}" type="datetimeFigureOut">
               <a:rPr lang="ko-KR" altLang="en-US" smtClean="0"/>
-              <a:t>2026-01-08</a:t>
+              <a:t>2026-01-09</a:t>
             </a:fld>
             <a:endParaRPr lang="ko-KR" altLang="en-US"/>
           </a:p>
@@ -16415,7 +16414,7 @@
           <a:p>
             <a:fld id="{51E15227-B50A-4246-97B2-347A01CD05B7}" type="datetimeFigureOut">
               <a:rPr lang="ko-KR" altLang="en-US" smtClean="0"/>
-              <a:t>2026-01-08</a:t>
+              <a:t>2026-01-09</a:t>
             </a:fld>
             <a:endParaRPr lang="ko-KR" altLang="en-US"/>
           </a:p>
@@ -16621,7 +16620,7 @@
           <a:p>
             <a:fld id="{170E36D7-A6DB-416B-A246-35B787381E5F}" type="datetimeFigureOut">
               <a:rPr lang="ko-KR" altLang="en-US" smtClean="0"/>
-              <a:t>2026-01-08</a:t>
+              <a:t>2026-01-09</a:t>
             </a:fld>
             <a:endParaRPr lang="ko-KR" altLang="en-US"/>
           </a:p>
@@ -16913,7 +16912,7 @@
           <a:p>
             <a:fld id="{51E15227-B50A-4246-97B2-347A01CD05B7}" type="datetimeFigureOut">
               <a:rPr lang="ko-KR" altLang="en-US" smtClean="0"/>
-              <a:t>2026-01-08</a:t>
+              <a:t>2026-01-09</a:t>
             </a:fld>
             <a:endParaRPr lang="ko-KR" altLang="en-US"/>
           </a:p>
@@ -17111,7 +17110,7 @@
           <a:p>
             <a:fld id="{51E15227-B50A-4246-97B2-347A01CD05B7}" type="datetimeFigureOut">
               <a:rPr lang="ko-KR" altLang="en-US" smtClean="0"/>
-              <a:t>2026-01-08</a:t>
+              <a:t>2026-01-09</a:t>
             </a:fld>
             <a:endParaRPr lang="ko-KR" altLang="en-US"/>
           </a:p>
@@ -17319,7 +17318,7 @@
           <a:p>
             <a:fld id="{51E15227-B50A-4246-97B2-347A01CD05B7}" type="datetimeFigureOut">
               <a:rPr lang="ko-KR" altLang="en-US" smtClean="0"/>
-              <a:t>2026-01-08</a:t>
+              <a:t>2026-01-09</a:t>
             </a:fld>
             <a:endParaRPr lang="ko-KR" altLang="en-US"/>
           </a:p>
@@ -17591,7 +17590,7 @@
           <a:p>
             <a:fld id="{170E36D7-A6DB-416B-A246-35B787381E5F}" type="datetimeFigureOut">
               <a:rPr lang="ko-KR" altLang="en-US" smtClean="0"/>
-              <a:t>2026-01-08</a:t>
+              <a:t>2026-01-09</a:t>
             </a:fld>
             <a:endParaRPr lang="ko-KR" altLang="en-US"/>
           </a:p>
@@ -17861,7 +17860,7 @@
           <a:p>
             <a:fld id="{170E36D7-A6DB-416B-A246-35B787381E5F}" type="datetimeFigureOut">
               <a:rPr lang="ko-KR" altLang="en-US" smtClean="0"/>
-              <a:t>2026-01-08</a:t>
+              <a:t>2026-01-09</a:t>
             </a:fld>
             <a:endParaRPr lang="ko-KR" altLang="en-US"/>
           </a:p>
@@ -18267,7 +18266,7 @@
           <a:p>
             <a:fld id="{170E36D7-A6DB-416B-A246-35B787381E5F}" type="datetimeFigureOut">
               <a:rPr lang="ko-KR" altLang="en-US" smtClean="0"/>
-              <a:t>2026-01-08</a:t>
+              <a:t>2026-01-09</a:t>
             </a:fld>
             <a:endParaRPr lang="ko-KR" altLang="en-US"/>
           </a:p>
@@ -18417,7 +18416,7 @@
           <a:p>
             <a:fld id="{170E36D7-A6DB-416B-A246-35B787381E5F}" type="datetimeFigureOut">
               <a:rPr lang="ko-KR" altLang="en-US" smtClean="0"/>
-              <a:t>2026-01-08</a:t>
+              <a:t>2026-01-09</a:t>
             </a:fld>
             <a:endParaRPr lang="ko-KR" altLang="en-US"/>
           </a:p>
@@ -18536,7 +18535,7 @@
           <a:p>
             <a:fld id="{170E36D7-A6DB-416B-A246-35B787381E5F}" type="datetimeFigureOut">
               <a:rPr lang="ko-KR" altLang="en-US" smtClean="0"/>
-              <a:t>2026-01-08</a:t>
+              <a:t>2026-01-09</a:t>
             </a:fld>
             <a:endParaRPr lang="ko-KR" altLang="en-US"/>
           </a:p>
@@ -18846,7 +18845,7 @@
           <a:p>
             <a:fld id="{170E36D7-A6DB-416B-A246-35B787381E5F}" type="datetimeFigureOut">
               <a:rPr lang="ko-KR" altLang="en-US" smtClean="0"/>
-              <a:t>2026-01-08</a:t>
+              <a:t>2026-01-09</a:t>
             </a:fld>
             <a:endParaRPr lang="ko-KR" altLang="en-US"/>
           </a:p>
@@ -19136,7 +19135,7 @@
           <a:p>
             <a:fld id="{170E36D7-A6DB-416B-A246-35B787381E5F}" type="datetimeFigureOut">
               <a:rPr lang="ko-KR" altLang="en-US" smtClean="0"/>
-              <a:t>2026-01-08</a:t>
+              <a:t>2026-01-09</a:t>
             </a:fld>
             <a:endParaRPr lang="ko-KR" altLang="en-US"/>
           </a:p>
@@ -19752,7 +19751,7 @@
           <a:p>
             <a:fld id="{51E15227-B50A-4246-97B2-347A01CD05B7}" type="datetimeFigureOut">
               <a:rPr lang="ko-KR" altLang="en-US" smtClean="0"/>
-              <a:t>2026-01-08</a:t>
+              <a:t>2026-01-09</a:t>
             </a:fld>
             <a:endParaRPr lang="ko-KR" altLang="en-US"/>
           </a:p>
@@ -23116,141 +23115,6 @@
 </p:sld>
 </file>
 
-<file path=ppt/slides/slide12.xml><?xml version="1.0" encoding="utf-8"?>
-<p:sld xmlns:a="http://schemas.openxmlformats.org/drawingml/2006/main" xmlns:r="http://schemas.openxmlformats.org/officeDocument/2006/relationships" xmlns:p="http://schemas.openxmlformats.org/presentationml/2006/main">
-  <p:cSld>
-    <p:spTree>
-      <p:nvGrpSpPr>
-        <p:cNvPr id="1" name=""/>
-        <p:cNvGrpSpPr/>
-        <p:nvPr/>
-      </p:nvGrpSpPr>
-      <p:grpSpPr>
-        <a:xfrm>
-          <a:off x="0" y="0"/>
-          <a:ext cx="0" cy="0"/>
-          <a:chOff x="0" y="0"/>
-          <a:chExt cx="0" cy="0"/>
-        </a:xfrm>
-      </p:grpSpPr>
-      <p:sp>
-        <p:nvSpPr>
-          <p:cNvPr id="4" name="TextBox 3">
-            <a:extLst>
-              <a:ext uri="{FF2B5EF4-FFF2-40B4-BE49-F238E27FC236}">
-                <a16:creationId xmlns:a16="http://schemas.microsoft.com/office/drawing/2014/main" id="{229022F3-6357-97BB-1BDF-37CEBE8DB1B4}"/>
-              </a:ext>
-            </a:extLst>
-          </p:cNvPr>
-          <p:cNvSpPr txBox="1"/>
-          <p:nvPr/>
-        </p:nvSpPr>
-        <p:spPr>
-          <a:xfrm>
-            <a:off x="2238375" y="3429000"/>
-            <a:ext cx="4810125" cy="923330"/>
-          </a:xfrm>
-          <a:prstGeom prst="rect">
-            <a:avLst/>
-          </a:prstGeom>
-          <a:noFill/>
-        </p:spPr>
-        <p:txBody>
-          <a:bodyPr wrap="square" rtlCol="0">
-            <a:spAutoFit/>
-          </a:bodyPr>
-          <a:lstStyle/>
-          <a:p>
-            <a:r>
-              <a:rPr lang="ko-KR" altLang="en-US" dirty="0"/>
-              <a:t>아쉬웠던 점</a:t>
-            </a:r>
-            <a:endParaRPr lang="en-US" altLang="ko-KR" dirty="0"/>
-          </a:p>
-          <a:p>
-            <a:r>
-              <a:rPr lang="ko-KR" altLang="en-US" dirty="0"/>
-              <a:t>주제선정이 잘 안되었다</a:t>
-            </a:r>
-            <a:r>
-              <a:rPr lang="en-US" altLang="ko-KR" dirty="0"/>
-              <a:t>.</a:t>
-            </a:r>
-          </a:p>
-          <a:p>
-            <a:r>
-              <a:rPr lang="ko-KR" altLang="en-US" dirty="0"/>
-              <a:t>샘플데이터가 많이 부족했다</a:t>
-            </a:r>
-            <a:r>
-              <a:rPr lang="en-US" altLang="ko-KR" dirty="0"/>
-              <a:t>.</a:t>
-            </a:r>
-            <a:endParaRPr lang="ko-KR" altLang="en-US" dirty="0"/>
-          </a:p>
-        </p:txBody>
-      </p:sp>
-      <p:sp>
-        <p:nvSpPr>
-          <p:cNvPr id="2" name="TextBox 1">
-            <a:extLst>
-              <a:ext uri="{FF2B5EF4-FFF2-40B4-BE49-F238E27FC236}">
-                <a16:creationId xmlns:a16="http://schemas.microsoft.com/office/drawing/2014/main" id="{0A78C7A3-6C64-1A35-91C6-F8959E52BDA4}"/>
-              </a:ext>
-            </a:extLst>
-          </p:cNvPr>
-          <p:cNvSpPr txBox="1"/>
-          <p:nvPr/>
-        </p:nvSpPr>
-        <p:spPr>
-          <a:xfrm>
-            <a:off x="576769" y="291534"/>
-            <a:ext cx="7779830" cy="523220"/>
-          </a:xfrm>
-          <a:prstGeom prst="rect">
-            <a:avLst/>
-          </a:prstGeom>
-          <a:noFill/>
-        </p:spPr>
-        <p:txBody>
-          <a:bodyPr wrap="square" rtlCol="0">
-            <a:spAutoFit/>
-          </a:bodyPr>
-          <a:lstStyle/>
-          <a:p>
-            <a:r>
-              <a:rPr lang="ko-KR" altLang="en-US" sz="2800" b="1" dirty="0" err="1">
-                <a:solidFill>
-                  <a:schemeClr val="bg1">
-                    <a:lumMod val="65000"/>
-                  </a:schemeClr>
-                </a:solidFill>
-              </a:rPr>
-              <a:t>머신러닝</a:t>
-            </a:r>
-            <a:endParaRPr lang="ko-KR" altLang="en-US" sz="2800" b="1" dirty="0">
-              <a:solidFill>
-                <a:schemeClr val="bg1">
-                  <a:lumMod val="65000"/>
-                </a:schemeClr>
-              </a:solidFill>
-            </a:endParaRPr>
-          </a:p>
-        </p:txBody>
-      </p:sp>
-    </p:spTree>
-    <p:extLst>
-      <p:ext uri="{BB962C8B-B14F-4D97-AF65-F5344CB8AC3E}">
-        <p14:creationId xmlns:p14="http://schemas.microsoft.com/office/powerpoint/2010/main" val="3700977010"/>
-      </p:ext>
-    </p:extLst>
-  </p:cSld>
-  <p:clrMapOvr>
-    <a:masterClrMapping/>
-  </p:clrMapOvr>
-</p:sld>
-</file>
-
 <file path=ppt/slides/slide2.xml><?xml version="1.0" encoding="utf-8"?>
 <p:sld xmlns:a="http://schemas.openxmlformats.org/drawingml/2006/main" xmlns:r="http://schemas.openxmlformats.org/officeDocument/2006/relationships" xmlns:p="http://schemas.openxmlformats.org/presentationml/2006/main">
   <p:cSld>
@@ -26646,15 +26510,6 @@
 </file>
 
 <file path=customXml/item1.xml><?xml version="1.0" encoding="utf-8"?>
-<?mso-contentType ?>
-<FormTemplates xmlns="http://schemas.microsoft.com/sharepoint/v3/contenttype/forms">
-  <Display>DocumentLibraryForm</Display>
-  <Edit>DocumentLibraryForm</Edit>
-  <New>DocumentLibraryForm</New>
-</FormTemplates>
-</file>
-
-<file path=customXml/item2.xml><?xml version="1.0" encoding="utf-8"?>
 <ct:contentTypeSchema xmlns:ct="http://schemas.microsoft.com/office/2006/metadata/contentType" xmlns:ma="http://schemas.microsoft.com/office/2006/metadata/properties/metaAttributes" ct:_="" ma:_="" ma:contentTypeName="문서" ma:contentTypeID="0x010100153273AA82447340AD3575D3659BD6CB" ma:contentTypeVersion="4" ma:contentTypeDescription="새 문서를 만듭니다." ma:contentTypeScope="" ma:versionID="d49374ce17ba482acf15c8aa845840e6">
   <xsd:schema xmlns:xsd="http://www.w3.org/2001/XMLSchema" xmlns:xs="http://www.w3.org/2001/XMLSchema" xmlns:p="http://schemas.microsoft.com/office/2006/metadata/properties" xmlns:ns3="6a1ad35f-000f-46f4-89b8-a39dbf665e50" targetNamespace="http://schemas.microsoft.com/office/2006/metadata/properties" ma:root="true" ma:fieldsID="858b35afe223a2f0b026d40c3ee9bbdb" ns3:_="">
     <xsd:import namespace="6a1ad35f-000f-46f4-89b8-a39dbf665e50"/>
@@ -26798,6 +26653,15 @@
 </ct:contentTypeSchema>
 </file>
 
+<file path=customXml/item2.xml><?xml version="1.0" encoding="utf-8"?>
+<?mso-contentType ?>
+<FormTemplates xmlns="http://schemas.microsoft.com/sharepoint/v3/contenttype/forms">
+  <Display>DocumentLibraryForm</Display>
+  <Edit>DocumentLibraryForm</Edit>
+  <New>DocumentLibraryForm</New>
+</FormTemplates>
+</file>
+
 <file path=customXml/item3.xml><?xml version="1.0" encoding="utf-8"?>
 <p:properties xmlns:p="http://schemas.microsoft.com/office/2006/metadata/properties" xmlns:xsi="http://www.w3.org/2001/XMLSchema-instance" xmlns:pc="http://schemas.microsoft.com/office/infopath/2007/PartnerControls">
   <documentManagement/>
@@ -26805,14 +26669,6 @@
 </file>
 
 <file path=customXml/itemProps1.xml><?xml version="1.0" encoding="utf-8"?>
-<ds:datastoreItem xmlns:ds="http://schemas.openxmlformats.org/officeDocument/2006/customXml" ds:itemID="{1581D23D-0E8A-4078-8D49-C25C209F4D7A}">
-  <ds:schemaRefs>
-    <ds:schemaRef ds:uri="http://schemas.microsoft.com/sharepoint/v3/contenttype/forms"/>
-  </ds:schemaRefs>
-</ds:datastoreItem>
-</file>
-
-<file path=customXml/itemProps2.xml><?xml version="1.0" encoding="utf-8"?>
 <ds:datastoreItem xmlns:ds="http://schemas.openxmlformats.org/officeDocument/2006/customXml" ds:itemID="{EAF83DAC-1FDD-4972-B2AB-FED6764C3C31}">
   <ds:schemaRefs>
     <ds:schemaRef ds:uri="http://schemas.microsoft.com/office/2006/metadata/contentType"/>
@@ -26826,6 +26682,14 @@
     <ds:schemaRef ds:uri="http://purl.org/dc/elements/1.1/"/>
     <ds:schemaRef ds:uri="http://purl.org/dc/terms/"/>
     <ds:schemaRef ds:uri="http://schemas.microsoft.com/internal/obd"/>
+  </ds:schemaRefs>
+</ds:datastoreItem>
+</file>
+
+<file path=customXml/itemProps2.xml><?xml version="1.0" encoding="utf-8"?>
+<ds:datastoreItem xmlns:ds="http://schemas.openxmlformats.org/officeDocument/2006/customXml" ds:itemID="{1581D23D-0E8A-4078-8D49-C25C209F4D7A}">
+  <ds:schemaRefs>
+    <ds:schemaRef ds:uri="http://schemas.microsoft.com/sharepoint/v3/contenttype/forms"/>
   </ds:schemaRefs>
 </ds:datastoreItem>
 </file>
